--- a/Bamboochi/Bamboochi Projects.pptx
+++ b/Bamboochi/Bamboochi Projects.pptx
@@ -3812,12 +3812,8 @@
           <a:lstStyle/>
           <a:p>
             <a:r>
-              <a:rPr lang="en-US" sz="7200" dirty="0" err="1"/>
-              <a:t>Bamboochi</a:t>
-            </a:r>
-            <a:r>
               <a:rPr lang="en-US" sz="7200" dirty="0"/>
-              <a:t> Projects</a:t>
+              <a:t>Bamboo Bicycle Frame</a:t>
             </a:r>
           </a:p>
         </p:txBody>
@@ -3851,8 +3847,12 @@
           <a:lstStyle/>
           <a:p>
             <a:r>
+              <a:rPr lang="en-US" sz="2800" dirty="0" err="1"/>
+              <a:t>Bamboochi</a:t>
+            </a:r>
+            <a:r>
               <a:rPr lang="en-US" sz="2800" dirty="0"/>
-              <a:t>Bamboo Bicycle Frame</a:t>
+              <a:t> Bicycles</a:t>
             </a:r>
           </a:p>
         </p:txBody>
